--- a/presentations/Session_3_Polyglot_Persist.pptx
+++ b/presentations/Session_3_Polyglot_Persist.pptx
@@ -248,7 +248,7 @@
           <a:p>
             <a:fld id="{372E5B6B-8713-8747-AE5B-F1241B2BF5F0}" type="datetimeFigureOut">
               <a:rPr lang="en-US" smtClean="0"/>
-              <a:t>8/6/17</a:t>
+              <a:t>6/22/2019</a:t>
             </a:fld>
             <a:endParaRPr lang="en-US" dirty="0"/>
           </a:p>
@@ -414,7 +414,7 @@
           <a:p>
             <a:fld id="{7E7B7340-DDD5-1B49-81AA-25BC4050C073}" type="datetimeFigureOut">
               <a:rPr lang="en-US" smtClean="0"/>
-              <a:t>8/6/17</a:t>
+              <a:t>6/22/2019</a:t>
             </a:fld>
             <a:endParaRPr lang="en-US" dirty="0"/>
           </a:p>
@@ -478,38 +478,37 @@
           <a:p>
             <a:pPr lvl="0"/>
             <a:r>
-              <a:rPr lang="en-US" smtClean="0"/>
+              <a:rPr lang="en-US"/>
               <a:t>Click to edit Master text styles</a:t>
             </a:r>
           </a:p>
           <a:p>
             <a:pPr lvl="1"/>
             <a:r>
-              <a:rPr lang="en-US" smtClean="0"/>
+              <a:rPr lang="en-US"/>
               <a:t>Second level</a:t>
             </a:r>
           </a:p>
           <a:p>
             <a:pPr lvl="2"/>
             <a:r>
-              <a:rPr lang="en-US" smtClean="0"/>
+              <a:rPr lang="en-US"/>
               <a:t>Third level</a:t>
             </a:r>
           </a:p>
           <a:p>
             <a:pPr lvl="3"/>
             <a:r>
-              <a:rPr lang="en-US" smtClean="0"/>
+              <a:rPr lang="en-US"/>
               <a:t>Fourth level</a:t>
             </a:r>
           </a:p>
           <a:p>
             <a:pPr lvl="4"/>
             <a:r>
-              <a:rPr lang="en-US" smtClean="0"/>
+              <a:rPr lang="en-US"/>
               <a:t>Fifth level</a:t>
             </a:r>
-            <a:endParaRPr lang="en-US"/>
           </a:p>
         </p:txBody>
       </p:sp>
@@ -728,11 +727,11 @@
           <a:lstStyle/>
           <a:p>
             <a:r>
-              <a:rPr lang="en-US" dirty="0" smtClean="0"/>
+              <a:rPr lang="en-US" dirty="0"/>
               <a:t>Resting slide</a:t>
             </a:r>
             <a:r>
-              <a:rPr lang="en-US" baseline="0" dirty="0" smtClean="0"/>
+              <a:rPr lang="en-US" baseline="0" dirty="0"/>
               <a:t> on screen before you begin presenting.</a:t>
             </a:r>
             <a:endParaRPr lang="en-US" dirty="0"/>
@@ -1480,7 +1479,7 @@
               <a:buChar char="•"/>
             </a:pPr>
             <a:r>
-              <a:rPr lang="en-US" sz="1200" dirty="0" smtClean="0"/>
+              <a:rPr lang="en-US" sz="1200" dirty="0"/>
               <a:t>Provide radically faster and widely accessible “getting started” experience for all Spring development</a:t>
             </a:r>
           </a:p>
@@ -1490,7 +1489,7 @@
               <a:buChar char="•"/>
             </a:pPr>
             <a:r>
-              <a:rPr lang="en-US" sz="1200" dirty="0" smtClean="0">
+              <a:rPr lang="en-US" sz="1200" dirty="0">
                 <a:solidFill>
                   <a:srgbClr val="FFFFFF"/>
                 </a:solidFill>
@@ -1504,7 +1503,7 @@
               <a:buChar char="•"/>
             </a:pPr>
             <a:r>
-              <a:rPr lang="en-US" sz="1200" dirty="0" smtClean="0">
+              <a:rPr lang="en-US" sz="1200" dirty="0">
                 <a:solidFill>
                   <a:srgbClr val="FFFFFF"/>
                 </a:solidFill>
@@ -1512,14 +1511,14 @@
               <a:t>Provide a range of non-functional</a:t>
             </a:r>
             <a:r>
-              <a:rPr lang="en-US" sz="1200" baseline="0" dirty="0" smtClean="0">
+              <a:rPr lang="en-US" sz="1200" baseline="0" dirty="0">
                 <a:solidFill>
                   <a:srgbClr val="FFFFFF"/>
                 </a:solidFill>
               </a:rPr>
               <a:t> features (embedded servers, metrics, health checks, externalized config)</a:t>
             </a:r>
-            <a:endParaRPr lang="en-US" sz="1200" dirty="0" smtClean="0">
+            <a:endParaRPr lang="en-US" sz="1200" dirty="0">
               <a:solidFill>
                 <a:srgbClr val="FFFFFF"/>
               </a:solidFill>
@@ -1953,10 +1952,9 @@
           </a:lstStyle>
           <a:p>
             <a:r>
-              <a:rPr lang="en-US" dirty="0" smtClean="0"/>
+              <a:rPr lang="en-US" dirty="0"/>
               <a:t>Click to edit Master title style</a:t>
             </a:r>
-            <a:endParaRPr lang="en-US" dirty="0"/>
           </a:p>
         </p:txBody>
       </p:sp>
@@ -2019,10 +2017,9 @@
           <a:p>
             <a:pPr lvl="0"/>
             <a:r>
-              <a:rPr lang="en-US" dirty="0" smtClean="0"/>
+              <a:rPr lang="en-US" dirty="0"/>
               <a:t>Click to edit Master</a:t>
             </a:r>
-            <a:endParaRPr lang="en-US" dirty="0"/>
           </a:p>
         </p:txBody>
       </p:sp>
@@ -2036,13 +2033,6 @@
   <p:clrMapOvr>
     <a:masterClrMapping/>
   </p:clrMapOvr>
-  <p:timing>
-    <p:tnLst>
-      <p:par>
-        <p:cTn id="1" dur="indefinite" restart="never" nodeType="tmRoot"/>
-      </p:par>
-    </p:tnLst>
-  </p:timing>
 </p:sldLayout>
 </file>
 
@@ -2334,10 +2324,9 @@
           </a:lstStyle>
           <a:p>
             <a:r>
-              <a:rPr lang="en-US" dirty="0" smtClean="0"/>
+              <a:rPr lang="en-US" dirty="0"/>
               <a:t>CLICK TO EDIT MASTER TITLE STYLE</a:t>
             </a:r>
-            <a:endParaRPr lang="en-US" dirty="0"/>
           </a:p>
         </p:txBody>
       </p:sp>
@@ -2412,35 +2401,35 @@
           <a:p>
             <a:pPr lvl="0"/>
             <a:r>
-              <a:rPr lang="en-US" smtClean="0"/>
+              <a:rPr lang="en-US"/>
               <a:t>Click to edit Master text styles</a:t>
             </a:r>
           </a:p>
           <a:p>
             <a:pPr lvl="1"/>
             <a:r>
-              <a:rPr lang="en-US" smtClean="0"/>
+              <a:rPr lang="en-US"/>
               <a:t>Second level</a:t>
             </a:r>
           </a:p>
           <a:p>
             <a:pPr lvl="2"/>
             <a:r>
-              <a:rPr lang="en-US" smtClean="0"/>
+              <a:rPr lang="en-US"/>
               <a:t>Third level</a:t>
             </a:r>
           </a:p>
           <a:p>
             <a:pPr lvl="3"/>
             <a:r>
-              <a:rPr lang="en-US" smtClean="0"/>
+              <a:rPr lang="en-US"/>
               <a:t>Fourth level</a:t>
             </a:r>
           </a:p>
           <a:p>
             <a:pPr lvl="4"/>
             <a:r>
-              <a:rPr lang="en-US" smtClean="0"/>
+              <a:rPr lang="en-US"/>
               <a:t>Fifth level</a:t>
             </a:r>
             <a:endParaRPr lang="en-US" dirty="0"/>
@@ -2519,7 +2508,7 @@
           <a:p>
             <a:pPr algn="l"/>
             <a:r>
-              <a:rPr lang="en-US" sz="600" dirty="0" smtClean="0">
+              <a:rPr lang="en-US" sz="600" dirty="0">
                 <a:solidFill>
                   <a:schemeClr val="bg1">
                     <a:lumMod val="50000"/>
@@ -2531,7 +2520,7 @@
               <a:t>© Copyright 2015 Pivotal.</a:t>
             </a:r>
             <a:r>
-              <a:rPr lang="en-US" sz="600" baseline="0" dirty="0" smtClean="0">
+              <a:rPr lang="en-US" sz="600" baseline="0" dirty="0">
                 <a:solidFill>
                   <a:schemeClr val="bg1">
                     <a:lumMod val="50000"/>
@@ -2543,7 +2532,7 @@
               <a:t> </a:t>
             </a:r>
             <a:r>
-              <a:rPr lang="en-US" sz="600" dirty="0" smtClean="0">
+              <a:rPr lang="en-US" sz="600" dirty="0">
                 <a:solidFill>
                   <a:schemeClr val="bg1">
                     <a:lumMod val="50000"/>
@@ -2554,15 +2543,6 @@
               </a:rPr>
               <a:t>All rights reserved.</a:t>
             </a:r>
-            <a:endParaRPr lang="en-US" sz="600" dirty="0">
-              <a:solidFill>
-                <a:schemeClr val="bg1">
-                  <a:lumMod val="50000"/>
-                </a:schemeClr>
-              </a:solidFill>
-              <a:latin typeface="Arial"/>
-              <a:cs typeface="Arial"/>
-            </a:endParaRPr>
           </a:p>
         </p:txBody>
       </p:sp>
@@ -2635,13 +2615,6 @@
   <p:clrMapOvr>
     <a:masterClrMapping/>
   </p:clrMapOvr>
-  <p:timing>
-    <p:tnLst>
-      <p:par>
-        <p:cTn id="1" dur="indefinite" restart="never" nodeType="tmRoot"/>
-      </p:par>
-    </p:tnLst>
-  </p:timing>
 </p:sldLayout>
 </file>
 
@@ -2696,10 +2669,9 @@
           </a:lstStyle>
           <a:p>
             <a:r>
-              <a:rPr lang="en-US" dirty="0" smtClean="0"/>
+              <a:rPr lang="en-US" dirty="0"/>
               <a:t>Click to edit Master title style</a:t>
             </a:r>
-            <a:endParaRPr lang="en-US" dirty="0"/>
           </a:p>
         </p:txBody>
       </p:sp>
@@ -2795,10 +2767,9 @@
           <a:p>
             <a:pPr lvl="0"/>
             <a:r>
-              <a:rPr lang="en-US" dirty="0" smtClean="0"/>
+              <a:rPr lang="en-US" dirty="0"/>
               <a:t>Click to edit Master</a:t>
             </a:r>
-            <a:endParaRPr lang="en-US" dirty="0"/>
           </a:p>
         </p:txBody>
       </p:sp>
@@ -2862,13 +2833,6 @@
   <p:clrMapOvr>
     <a:masterClrMapping/>
   </p:clrMapOvr>
-  <p:timing>
-    <p:tnLst>
-      <p:par>
-        <p:cTn id="1" dur="indefinite" restart="never" nodeType="tmRoot"/>
-      </p:par>
-    </p:tnLst>
-  </p:timing>
 </p:sldLayout>
 </file>
 
@@ -3040,13 +3004,6 @@
   <p:clrMapOvr>
     <a:masterClrMapping/>
   </p:clrMapOvr>
-  <p:timing>
-    <p:tnLst>
-      <p:par>
-        <p:cTn id="1" dur="indefinite" restart="never" nodeType="tmRoot"/>
-      </p:par>
-    </p:tnLst>
-  </p:timing>
 </p:sldLayout>
 </file>
 
@@ -3133,13 +3090,6 @@
   <p:clrMapOvr>
     <a:masterClrMapping/>
   </p:clrMapOvr>
-  <p:timing>
-    <p:tnLst>
-      <p:par>
-        <p:cTn id="1" dur="indefinite" restart="never" nodeType="tmRoot"/>
-      </p:par>
-    </p:tnLst>
-  </p:timing>
 </p:sldLayout>
 </file>
 
@@ -3198,10 +3148,9 @@
           </a:lstStyle>
           <a:p>
             <a:r>
-              <a:rPr lang="en-US" dirty="0" smtClean="0"/>
+              <a:rPr lang="en-US" dirty="0"/>
               <a:t>Click to Edit Master Title Style</a:t>
             </a:r>
-            <a:endParaRPr lang="en-US" dirty="0"/>
           </a:p>
         </p:txBody>
       </p:sp>
@@ -3218,13 +3167,6 @@
   <p:transition>
     <p:fade/>
   </p:transition>
-  <p:timing>
-    <p:tnLst>
-      <p:par>
-        <p:cTn id="1" dur="indefinite" restart="never" nodeType="tmRoot"/>
-      </p:par>
-    </p:tnLst>
-  </p:timing>
 </p:sldLayout>
 </file>
 
@@ -3593,13 +3535,6 @@
   <p:clrMapOvr>
     <a:masterClrMapping/>
   </p:clrMapOvr>
-  <p:timing>
-    <p:tnLst>
-      <p:par>
-        <p:cTn id="1" dur="indefinite" restart="never" nodeType="tmRoot"/>
-      </p:par>
-    </p:tnLst>
-  </p:timing>
 </p:sldLayout>
 </file>
 
@@ -3654,10 +3589,9 @@
           </a:lstStyle>
           <a:p>
             <a:r>
-              <a:rPr lang="en-US" dirty="0" smtClean="0"/>
+              <a:rPr lang="en-US" dirty="0"/>
               <a:t>Click to edit Master title style</a:t>
             </a:r>
-            <a:endParaRPr lang="en-US" dirty="0"/>
           </a:p>
         </p:txBody>
       </p:sp>
@@ -3694,13 +3628,6 @@
   <p:clrMapOvr>
     <a:masterClrMapping/>
   </p:clrMapOvr>
-  <p:timing>
-    <p:tnLst>
-      <p:par>
-        <p:cTn id="1" dur="indefinite" restart="never" nodeType="tmRoot"/>
-      </p:par>
-    </p:tnLst>
-  </p:timing>
 </p:sldLayout>
 </file>
 
@@ -4056,10 +3983,9 @@
           </a:lstStyle>
           <a:p>
             <a:r>
-              <a:rPr lang="en-US" dirty="0" smtClean="0"/>
+              <a:rPr lang="en-US" dirty="0"/>
               <a:t>Click to edit Master title style</a:t>
             </a:r>
-            <a:endParaRPr lang="en-US" dirty="0"/>
           </a:p>
         </p:txBody>
       </p:sp>
@@ -4155,10 +4081,9 @@
           <a:p>
             <a:pPr lvl="0"/>
             <a:r>
-              <a:rPr lang="en-US" dirty="0" smtClean="0"/>
+              <a:rPr lang="en-US" dirty="0"/>
               <a:t>Click to edit Master</a:t>
             </a:r>
-            <a:endParaRPr lang="en-US" dirty="0"/>
           </a:p>
         </p:txBody>
       </p:sp>
@@ -4172,13 +4097,6 @@
   <p:clrMapOvr>
     <a:masterClrMapping/>
   </p:clrMapOvr>
-  <p:timing>
-    <p:tnLst>
-      <p:par>
-        <p:cTn id="1" dur="indefinite" restart="never" nodeType="tmRoot"/>
-      </p:par>
-    </p:tnLst>
-  </p:timing>
 </p:sldLayout>
 </file>
 
@@ -4350,13 +4268,6 @@
   <p:clrMapOvr>
     <a:masterClrMapping/>
   </p:clrMapOvr>
-  <p:timing>
-    <p:tnLst>
-      <p:par>
-        <p:cTn id="1" dur="indefinite" restart="never" nodeType="tmRoot"/>
-      </p:par>
-    </p:tnLst>
-  </p:timing>
 </p:sldLayout>
 </file>
 
@@ -4443,13 +4354,6 @@
   <p:clrMapOvr>
     <a:masterClrMapping/>
   </p:clrMapOvr>
-  <p:timing>
-    <p:tnLst>
-      <p:par>
-        <p:cTn id="1" dur="indefinite" restart="never" nodeType="tmRoot"/>
-      </p:par>
-    </p:tnLst>
-  </p:timing>
 </p:sldLayout>
 </file>
 
@@ -4508,10 +4412,9 @@
           </a:lstStyle>
           <a:p>
             <a:r>
-              <a:rPr lang="en-US" dirty="0" smtClean="0"/>
+              <a:rPr lang="en-US" dirty="0"/>
               <a:t>Click to Edit Master Title Style</a:t>
             </a:r>
-            <a:endParaRPr lang="en-US" dirty="0"/>
           </a:p>
         </p:txBody>
       </p:sp>
@@ -4528,13 +4431,6 @@
   <p:transition>
     <p:fade/>
   </p:transition>
-  <p:timing>
-    <p:tnLst>
-      <p:par>
-        <p:cTn id="1" dur="indefinite" restart="never" nodeType="tmRoot"/>
-      </p:par>
-    </p:tnLst>
-  </p:timing>
 </p:sldLayout>
 </file>
 
@@ -4737,13 +4633,6 @@
     <p:sldLayoutId id="2147483733" r:id="rId3"/>
     <p:sldLayoutId id="2147483734" r:id="rId4"/>
   </p:sldLayoutIdLst>
-  <p:timing>
-    <p:tnLst>
-      <p:par>
-        <p:cTn id="1" dur="indefinite" restart="never" nodeType="tmRoot"/>
-      </p:par>
-    </p:tnLst>
-  </p:timing>
   <p:hf hdr="0" ftr="0" dt="0"/>
   <p:txStyles>
     <p:titleStyle>
@@ -5071,13 +4960,6 @@
     <p:sldLayoutId id="2147483723" r:id="rId7"/>
     <p:sldLayoutId id="2147483735" r:id="rId8"/>
   </p:sldLayoutIdLst>
-  <p:timing>
-    <p:tnLst>
-      <p:par>
-        <p:cTn id="1" dur="indefinite" restart="never" nodeType="tmRoot"/>
-      </p:par>
-    </p:tnLst>
-  </p:timing>
   <p:hf hdr="0" ftr="0" dt="0"/>
   <p:txStyles>
     <p:titleStyle>
@@ -5404,13 +5286,6 @@
     <p:sldLayoutId id="2147483730" r:id="rId6"/>
     <p:sldLayoutId id="2147483731" r:id="rId7"/>
   </p:sldLayoutIdLst>
-  <p:timing>
-    <p:tnLst>
-      <p:par>
-        <p:cTn id="1" dur="indefinite" restart="never" nodeType="tmRoot"/>
-      </p:par>
-    </p:tnLst>
-  </p:timing>
   <p:hf hdr="0" ftr="0" dt="0"/>
   <p:txStyles>
     <p:titleStyle>
@@ -5823,7 +5698,7 @@
               </a:spcAft>
             </a:pPr>
             <a:r>
-              <a:rPr lang="en-US" sz="4200" b="1" spc="-100" dirty="0" smtClean="0">
+              <a:rPr lang="en-US" sz="4200" b="1" spc="-100" dirty="0">
                 <a:solidFill>
                   <a:srgbClr val="00AE9E"/>
                 </a:solidFill>
@@ -5880,7 +5755,7 @@
               </a:spcAft>
             </a:pPr>
             <a:r>
-              <a:rPr lang="en-US" sz="2800" spc="-100" dirty="0" smtClean="0">
+              <a:rPr lang="en-US" sz="2800" spc="-100" dirty="0">
                 <a:solidFill>
                   <a:schemeClr val="bg1"/>
                 </a:solidFill>
@@ -5895,46 +5770,9 @@
               </a:rPr>
               <a:t>Polyglot Persistence with Spring Data REST</a:t>
             </a:r>
-            <a:endParaRPr lang="en-US" sz="2800" spc="-100" dirty="0">
-              <a:solidFill>
-                <a:schemeClr val="bg1"/>
-              </a:solidFill>
-              <a:effectLst>
-                <a:outerShdw blurRad="50800" dist="38100" dir="5400000" algn="t" rotWithShape="0">
-                  <a:prstClr val="black">
-                    <a:alpha val="40000"/>
-                  </a:prstClr>
-                </a:outerShdw>
-              </a:effectLst>
-              <a:cs typeface="Arial"/>
-            </a:endParaRPr>
           </a:p>
         </p:txBody>
       </p:sp>
-      <p:pic>
-        <p:nvPicPr>
-          <p:cNvPr id="9" name="Picture 8"/>
-          <p:cNvPicPr>
-            <a:picLocks noChangeAspect="1"/>
-          </p:cNvPicPr>
-          <p:nvPr/>
-        </p:nvPicPr>
-        <p:blipFill>
-          <a:blip r:embed="rId5"/>
-          <a:stretch>
-            <a:fillRect/>
-          </a:stretch>
-        </p:blipFill>
-        <p:spPr>
-          <a:xfrm>
-            <a:off x="7261412" y="215642"/>
-            <a:ext cx="1652494" cy="435864"/>
-          </a:xfrm>
-          <a:prstGeom prst="rect">
-            <a:avLst/>
-          </a:prstGeom>
-        </p:spPr>
-      </p:pic>
     </p:spTree>
     <p:extLst>
       <p:ext uri="{BB962C8B-B14F-4D97-AF65-F5344CB8AC3E}">
@@ -5945,13 +5783,6 @@
   <p:clrMapOvr>
     <a:masterClrMapping/>
   </p:clrMapOvr>
-  <p:timing>
-    <p:tnLst>
-      <p:par>
-        <p:cTn id="1" dur="indefinite" restart="never" nodeType="tmRoot"/>
-      </p:par>
-    </p:tnLst>
-  </p:timing>
 </p:sld>
 </file>
 
@@ -5988,7 +5819,7 @@
           <a:lstStyle/>
           <a:p>
             <a:r>
-              <a:rPr lang="en-US" dirty="0" smtClean="0"/>
+              <a:rPr lang="en-US" dirty="0"/>
               <a:t>Spring Data REST, what happens?</a:t>
             </a:r>
             <a:endParaRPr lang="en-US" dirty="0">
@@ -6162,7 +5993,7 @@
               <a:buFont typeface="Arial"/>
               <a:buNone/>
             </a:pPr>
-            <a:endParaRPr lang="en-US" sz="1400" dirty="0" smtClean="0"/>
+            <a:endParaRPr lang="en-US" sz="1400" dirty="0"/>
           </a:p>
         </p:txBody>
       </p:sp>
@@ -6200,21 +6031,6 @@
   <p:clrMapOvr>
     <a:masterClrMapping/>
   </p:clrMapOvr>
-  <mc:AlternateContent xmlns:mc="http://schemas.openxmlformats.org/markup-compatibility/2006" xmlns:p14="http://schemas.microsoft.com/office/powerpoint/2010/main">
-    <mc:Choice Requires="p14">
-      <p:transition spd="slow" p14:dur="2000"/>
-    </mc:Choice>
-    <mc:Fallback xmlns="">
-      <p:transition xmlns:p14="http://schemas.microsoft.com/office/powerpoint/2010/main" spd="slow"/>
-    </mc:Fallback>
-  </mc:AlternateContent>
-  <p:timing>
-    <p:tnLst>
-      <p:par>
-        <p:cTn id="1" dur="indefinite" restart="never" nodeType="tmRoot"/>
-      </p:par>
-    </p:tnLst>
-  </p:timing>
 </p:sld>
 </file>
 
@@ -6251,7 +6067,7 @@
           <a:lstStyle/>
           <a:p>
             <a:r>
-              <a:rPr lang="en-US" dirty="0" smtClean="0"/>
+              <a:rPr lang="en-US" dirty="0"/>
               <a:t>MongoRepository</a:t>
             </a:r>
             <a:endParaRPr lang="en-US" dirty="0">
@@ -6425,7 +6241,7 @@
               <a:buFont typeface="Arial"/>
               <a:buNone/>
             </a:pPr>
-            <a:endParaRPr lang="en-US" sz="1400" dirty="0" smtClean="0"/>
+            <a:endParaRPr lang="en-US" sz="1400" dirty="0"/>
           </a:p>
         </p:txBody>
       </p:sp>
@@ -6463,21 +6279,6 @@
   <p:clrMapOvr>
     <a:masterClrMapping/>
   </p:clrMapOvr>
-  <mc:AlternateContent xmlns:mc="http://schemas.openxmlformats.org/markup-compatibility/2006" xmlns:p14="http://schemas.microsoft.com/office/powerpoint/2010/main">
-    <mc:Choice Requires="p14">
-      <p:transition spd="slow" p14:dur="2000"/>
-    </mc:Choice>
-    <mc:Fallback xmlns="">
-      <p:transition xmlns:p14="http://schemas.microsoft.com/office/powerpoint/2010/main" spd="slow"/>
-    </mc:Fallback>
-  </mc:AlternateContent>
-  <p:timing>
-    <p:tnLst>
-      <p:par>
-        <p:cTn id="1" dur="indefinite" restart="never" nodeType="tmRoot"/>
-      </p:par>
-    </p:tnLst>
-  </p:timing>
 </p:sld>
 </file>
 
@@ -6514,7 +6315,7 @@
           <a:lstStyle/>
           <a:p>
             <a:r>
-              <a:rPr lang="en-US" dirty="0" smtClean="0"/>
+              <a:rPr lang="en-US" dirty="0"/>
               <a:t>RedisRepository</a:t>
             </a:r>
             <a:endParaRPr lang="en-US" dirty="0">
@@ -6688,7 +6489,7 @@
               <a:buFont typeface="Arial"/>
               <a:buNone/>
             </a:pPr>
-            <a:endParaRPr lang="en-US" sz="1400" dirty="0" smtClean="0"/>
+            <a:endParaRPr lang="en-US" sz="1400" dirty="0"/>
           </a:p>
         </p:txBody>
       </p:sp>
@@ -6726,21 +6527,6 @@
   <p:clrMapOvr>
     <a:masterClrMapping/>
   </p:clrMapOvr>
-  <mc:AlternateContent xmlns:mc="http://schemas.openxmlformats.org/markup-compatibility/2006" xmlns:p14="http://schemas.microsoft.com/office/powerpoint/2010/main">
-    <mc:Choice Requires="p14">
-      <p:transition spd="slow" p14:dur="2000"/>
-    </mc:Choice>
-    <mc:Fallback xmlns="">
-      <p:transition xmlns:p14="http://schemas.microsoft.com/office/powerpoint/2010/main" spd="slow"/>
-    </mc:Fallback>
-  </mc:AlternateContent>
-  <p:timing>
-    <p:tnLst>
-      <p:par>
-        <p:cTn id="1" dur="indefinite" restart="never" nodeType="tmRoot"/>
-      </p:par>
-    </p:tnLst>
-  </p:timing>
 </p:sld>
 </file>
 
@@ -6777,7 +6563,7 @@
           <a:lstStyle/>
           <a:p>
             <a:r>
-              <a:rPr lang="en-US" dirty="0" smtClean="0"/>
+              <a:rPr lang="en-US" dirty="0"/>
               <a:t>Supported Repositories</a:t>
             </a:r>
             <a:endParaRPr lang="en-US" dirty="0">
@@ -6812,43 +6598,43 @@
               <a:buNone/>
             </a:pPr>
             <a:r>
-              <a:rPr lang="en-US" dirty="0" smtClean="0"/>
+              <a:rPr lang="en-US" dirty="0"/>
               <a:t>Spring</a:t>
             </a:r>
           </a:p>
           <a:p>
             <a:r>
-              <a:rPr lang="en-US" sz="2400" dirty="0" smtClean="0"/>
+              <a:rPr lang="en-US" sz="2400" dirty="0"/>
               <a:t>JPA</a:t>
             </a:r>
           </a:p>
           <a:p>
             <a:r>
-              <a:rPr lang="en-US" sz="2400" dirty="0" smtClean="0"/>
+              <a:rPr lang="en-US" sz="2400" dirty="0"/>
               <a:t>MongoDB</a:t>
             </a:r>
           </a:p>
           <a:p>
             <a:r>
-              <a:rPr lang="en-US" sz="2400" dirty="0" smtClean="0"/>
+              <a:rPr lang="en-US" sz="2400" dirty="0"/>
               <a:t>Redis</a:t>
             </a:r>
           </a:p>
           <a:p>
             <a:r>
-              <a:rPr lang="en-US" sz="2400" dirty="0" smtClean="0"/>
+              <a:rPr lang="en-US" sz="2400" dirty="0"/>
               <a:t>Solr</a:t>
             </a:r>
           </a:p>
           <a:p>
             <a:r>
-              <a:rPr lang="en-US" sz="2400" dirty="0" smtClean="0"/>
+              <a:rPr lang="en-US" sz="2400" dirty="0"/>
               <a:t>GemFire</a:t>
             </a:r>
           </a:p>
           <a:p>
             <a:r>
-              <a:rPr lang="en-US" sz="2400" dirty="0" smtClean="0"/>
+              <a:rPr lang="en-US" sz="2400" dirty="0"/>
               <a:t>KeyValue</a:t>
             </a:r>
           </a:p>
@@ -7020,7 +6806,7 @@
               <a:buFont typeface="Arial"/>
               <a:buNone/>
             </a:pPr>
-            <a:endParaRPr lang="en-US" sz="1400" dirty="0" smtClean="0"/>
+            <a:endParaRPr lang="en-US" sz="1400" dirty="0"/>
           </a:p>
         </p:txBody>
       </p:sp>
@@ -7186,43 +6972,43 @@
               <a:buNone/>
             </a:pPr>
             <a:r>
-              <a:rPr lang="en-US" dirty="0" smtClean="0"/>
+              <a:rPr lang="en-US" dirty="0"/>
               <a:t>Community</a:t>
             </a:r>
           </a:p>
           <a:p>
             <a:r>
-              <a:rPr lang="en-US" sz="2400" dirty="0" smtClean="0"/>
+              <a:rPr lang="en-US" sz="2400" dirty="0"/>
               <a:t>Aerospike</a:t>
             </a:r>
           </a:p>
           <a:p>
             <a:r>
-              <a:rPr lang="en-US" sz="2400" dirty="0" smtClean="0"/>
+              <a:rPr lang="en-US" sz="2400" dirty="0"/>
               <a:t>Cassandra</a:t>
             </a:r>
           </a:p>
           <a:p>
             <a:r>
-              <a:rPr lang="en-US" sz="2400" dirty="0" smtClean="0"/>
+              <a:rPr lang="en-US" sz="2400" dirty="0"/>
               <a:t>Couchbase</a:t>
             </a:r>
           </a:p>
           <a:p>
             <a:r>
-              <a:rPr lang="en-US" sz="2400" dirty="0" smtClean="0"/>
+              <a:rPr lang="en-US" sz="2400" dirty="0"/>
               <a:t>DynamoDB</a:t>
             </a:r>
           </a:p>
           <a:p>
             <a:r>
-              <a:rPr lang="en-US" sz="2400" dirty="0" smtClean="0"/>
+              <a:rPr lang="en-US" sz="2400" dirty="0"/>
               <a:t>ElasticSearch</a:t>
             </a:r>
           </a:p>
           <a:p>
             <a:r>
-              <a:rPr lang="en-US" sz="2400" dirty="0" smtClean="0"/>
+              <a:rPr lang="en-US" sz="2400" dirty="0"/>
               <a:t>Neo4J</a:t>
             </a:r>
           </a:p>
@@ -7241,21 +7027,6 @@
   <p:clrMapOvr>
     <a:masterClrMapping/>
   </p:clrMapOvr>
-  <mc:AlternateContent xmlns:mc="http://schemas.openxmlformats.org/markup-compatibility/2006" xmlns:p14="http://schemas.microsoft.com/office/powerpoint/2010/main">
-    <mc:Choice Requires="p14">
-      <p:transition spd="slow" p14:dur="2000"/>
-    </mc:Choice>
-    <mc:Fallback xmlns="">
-      <p:transition xmlns:p14="http://schemas.microsoft.com/office/powerpoint/2010/main" spd="slow"/>
-    </mc:Fallback>
-  </mc:AlternateContent>
-  <p:timing>
-    <p:tnLst>
-      <p:par>
-        <p:cTn id="1" dur="indefinite" restart="never" nodeType="tmRoot"/>
-      </p:par>
-    </p:tnLst>
-  </p:timing>
 </p:sld>
 </file>
 
@@ -7604,7 +7375,7 @@
               <a:buSzPct val="25000"/>
             </a:pPr>
             <a:r>
-              <a:rPr lang="en-US" cap="all" dirty="0" smtClean="0">
+              <a:rPr lang="en-US" cap="all" dirty="0">
                 <a:solidFill>
                   <a:srgbClr val="74CEC7"/>
                 </a:solidFill>
@@ -7629,21 +7400,6 @@
   <p:clrMapOvr>
     <a:masterClrMapping/>
   </p:clrMapOvr>
-  <mc:AlternateContent xmlns:mc="http://schemas.openxmlformats.org/markup-compatibility/2006" xmlns:p14="http://schemas.microsoft.com/office/powerpoint/2010/main">
-    <mc:Choice Requires="p14">
-      <p:transition p14:dur="0"/>
-    </mc:Choice>
-    <mc:Fallback xmlns="">
-      <p:transition xmlns:p14="http://schemas.microsoft.com/office/powerpoint/2010/main"/>
-    </mc:Fallback>
-  </mc:AlternateContent>
-  <p:timing>
-    <p:tnLst>
-      <p:par>
-        <p:cTn id="1" dur="indefinite" restart="never" nodeType="tmRoot"/>
-      </p:par>
-    </p:tnLst>
-  </p:timing>
 </p:sld>
 </file>
 
@@ -7680,7 +7436,7 @@
           <a:lstStyle/>
           <a:p>
             <a:r>
-              <a:rPr lang="en-US" dirty="0" smtClean="0"/>
+              <a:rPr lang="en-US" dirty="0"/>
               <a:t>Spring Data</a:t>
             </a:r>
             <a:endParaRPr lang="en-US" dirty="0">
@@ -7734,17 +7490,8 @@
             </a:r>
             <a:r>
               <a:rPr lang="en-US" sz="1400" dirty="0"/>
-              <a:t>, Spring-based programming model for data access while still retaining the special traits of </a:t>
+              <a:t>, Spring-based programming model for data access while still retaining the special traits of the underlying data store. </a:t>
             </a:r>
-            <a:r>
-              <a:rPr lang="en-US" sz="1400" dirty="0" smtClean="0"/>
-              <a:t>the </a:t>
-            </a:r>
-            <a:r>
-              <a:rPr lang="en-US" sz="1400" dirty="0"/>
-              <a:t>underlying data store. </a:t>
-            </a:r>
-            <a:endParaRPr lang="en-US" sz="1400" dirty="0" smtClean="0"/>
           </a:p>
           <a:p>
             <a:pPr marL="0" indent="0">
@@ -7768,7 +7515,6 @@
               <a:rPr lang="en-US" sz="1400" dirty="0"/>
               <a:t>data access technologies, relational and non-relational databases, map-reduce frameworks, and cloud-based data services.</a:t>
             </a:r>
-            <a:endParaRPr lang="en-US" sz="1400" dirty="0" smtClean="0"/>
           </a:p>
         </p:txBody>
       </p:sp>
@@ -7935,7 +7681,7 @@
               <a:buFont typeface="Arial"/>
               <a:buNone/>
             </a:pPr>
-            <a:endParaRPr lang="en-US" sz="1400" dirty="0" smtClean="0"/>
+            <a:endParaRPr lang="en-US" sz="1400" dirty="0"/>
           </a:p>
         </p:txBody>
       </p:sp>
@@ -7973,21 +7719,6 @@
   <p:clrMapOvr>
     <a:masterClrMapping/>
   </p:clrMapOvr>
-  <mc:AlternateContent xmlns:mc="http://schemas.openxmlformats.org/markup-compatibility/2006" xmlns:p14="http://schemas.microsoft.com/office/powerpoint/2010/main">
-    <mc:Choice Requires="p14">
-      <p:transition spd="slow" p14:dur="2000"/>
-    </mc:Choice>
-    <mc:Fallback xmlns="">
-      <p:transition xmlns:p14="http://schemas.microsoft.com/office/powerpoint/2010/main" spd="slow"/>
-    </mc:Fallback>
-  </mc:AlternateContent>
-  <p:timing>
-    <p:tnLst>
-      <p:par>
-        <p:cTn id="1" dur="indefinite" restart="never" nodeType="tmRoot"/>
-      </p:par>
-    </p:tnLst>
-  </p:timing>
 </p:sld>
 </file>
 
@@ -8024,7 +7755,7 @@
           <a:lstStyle/>
           <a:p>
             <a:r>
-              <a:rPr lang="en-US" dirty="0" smtClean="0"/>
+              <a:rPr lang="en-US" dirty="0"/>
               <a:t>Spring Data JPA</a:t>
             </a:r>
             <a:endParaRPr lang="en-US" dirty="0">
@@ -8061,7 +7792,7 @@
               <a:buNone/>
             </a:pPr>
             <a:r>
-              <a:rPr lang="en-US" sz="1400" dirty="0" smtClean="0"/>
+              <a:rPr lang="en-US" sz="1400" dirty="0"/>
               <a:t>Add the Spring Data JPA starter to our pom.xml file</a:t>
             </a:r>
           </a:p>
@@ -8230,7 +7961,7 @@
               <a:buFont typeface="Arial"/>
               <a:buNone/>
             </a:pPr>
-            <a:endParaRPr lang="en-US" sz="1400" dirty="0" smtClean="0"/>
+            <a:endParaRPr lang="en-US" sz="1400" dirty="0"/>
           </a:p>
         </p:txBody>
       </p:sp>
@@ -8398,7 +8129,7 @@
               <a:buNone/>
             </a:pPr>
             <a:r>
-              <a:rPr lang="en-US" sz="1400" dirty="0" smtClean="0"/>
+              <a:rPr lang="en-US" sz="1400" dirty="0"/>
               <a:t>Sprinkle a database connector into our pom.xml</a:t>
             </a:r>
           </a:p>
@@ -8640,7 +8371,7 @@
               <a:buNone/>
             </a:pPr>
             <a:r>
-              <a:rPr lang="en-US" sz="1400" dirty="0" smtClean="0"/>
+              <a:rPr lang="en-US" sz="1400" dirty="0"/>
               <a:t>Sprinkle a little @EnableJpaRepositories annotation into our Spring Boot application</a:t>
             </a:r>
           </a:p>
@@ -8680,21 +8411,6 @@
   <p:clrMapOvr>
     <a:masterClrMapping/>
   </p:clrMapOvr>
-  <mc:AlternateContent xmlns:mc="http://schemas.openxmlformats.org/markup-compatibility/2006" xmlns:p14="http://schemas.microsoft.com/office/powerpoint/2010/main">
-    <mc:Choice Requires="p14">
-      <p:transition spd="slow" p14:dur="2000"/>
-    </mc:Choice>
-    <mc:Fallback xmlns="">
-      <p:transition xmlns:p14="http://schemas.microsoft.com/office/powerpoint/2010/main" spd="slow"/>
-    </mc:Fallback>
-  </mc:AlternateContent>
-  <p:timing>
-    <p:tnLst>
-      <p:par>
-        <p:cTn id="1" dur="indefinite" restart="never" nodeType="tmRoot"/>
-      </p:par>
-    </p:tnLst>
-  </p:timing>
 </p:sld>
 </file>
 
@@ -8768,7 +8484,7 @@
               <a:buNone/>
             </a:pPr>
             <a:r>
-              <a:rPr lang="en-US" sz="1400" dirty="0" smtClean="0"/>
+              <a:rPr lang="en-US" sz="1400" dirty="0"/>
               <a:t>Let’s create an @Entity to manage</a:t>
             </a:r>
           </a:p>
@@ -8937,7 +8653,7 @@
               <a:buFont typeface="Arial"/>
               <a:buNone/>
             </a:pPr>
-            <a:endParaRPr lang="en-US" sz="1400" dirty="0" smtClean="0"/>
+            <a:endParaRPr lang="en-US" sz="1400" dirty="0"/>
           </a:p>
         </p:txBody>
       </p:sp>
@@ -9104,7 +8820,7 @@
               <a:buFont typeface="Arial"/>
               <a:buNone/>
             </a:pPr>
-            <a:endParaRPr lang="en-US" sz="1400" dirty="0" smtClean="0"/>
+            <a:endParaRPr lang="en-US" sz="1400" dirty="0"/>
           </a:p>
         </p:txBody>
       </p:sp>
@@ -9272,7 +8988,7 @@
               <a:buNone/>
             </a:pPr>
             <a:r>
-              <a:rPr lang="en-US" sz="1400" dirty="0" smtClean="0"/>
+              <a:rPr lang="en-US" sz="1400" dirty="0"/>
               <a:t>Let’s create a JPA Repository to manage our @Entity</a:t>
             </a:r>
           </a:p>
@@ -9336,21 +9052,6 @@
   <p:clrMapOvr>
     <a:masterClrMapping/>
   </p:clrMapOvr>
-  <mc:AlternateContent xmlns:mc="http://schemas.openxmlformats.org/markup-compatibility/2006" xmlns:p14="http://schemas.microsoft.com/office/powerpoint/2010/main">
-    <mc:Choice Requires="p14">
-      <p:transition spd="slow" p14:dur="2000"/>
-    </mc:Choice>
-    <mc:Fallback xmlns="">
-      <p:transition xmlns:p14="http://schemas.microsoft.com/office/powerpoint/2010/main" spd="slow"/>
-    </mc:Fallback>
-  </mc:AlternateContent>
-  <p:timing>
-    <p:tnLst>
-      <p:par>
-        <p:cTn id="1" dur="indefinite" restart="never" nodeType="tmRoot"/>
-      </p:par>
-    </p:tnLst>
-  </p:timing>
 </p:sld>
 </file>
 
@@ -9387,7 +9088,7 @@
           <a:lstStyle/>
           <a:p>
             <a:r>
-              <a:rPr lang="en-US" dirty="0" smtClean="0"/>
+              <a:rPr lang="en-US" dirty="0"/>
               <a:t>Spring Data REST</a:t>
             </a:r>
             <a:endParaRPr lang="en-US" dirty="0">
@@ -9561,7 +9262,7 @@
               <a:buFont typeface="Arial"/>
               <a:buNone/>
             </a:pPr>
-            <a:endParaRPr lang="en-US" sz="1400" dirty="0" smtClean="0"/>
+            <a:endParaRPr lang="en-US" sz="1400" dirty="0"/>
           </a:p>
         </p:txBody>
       </p:sp>
@@ -9611,18 +9312,10 @@
                   <a:srgbClr val="FFFFFF"/>
                 </a:solidFill>
               </a:rPr>
-              <a:t> repositories to </a:t>
+              <a:t> repositories to our </a:t>
             </a:r>
             <a:r>
-              <a:rPr lang="en-US" dirty="0" smtClean="0">
-                <a:solidFill>
-                  <a:srgbClr val="FFFFFF"/>
-                </a:solidFill>
-              </a:rPr>
-              <a:t>our </a:t>
-            </a:r>
-            <a:r>
-              <a:rPr lang="en-US" i="1" u="sng" dirty="0" smtClean="0">
+              <a:rPr lang="en-US" i="1" u="sng" dirty="0">
                 <a:solidFill>
                   <a:srgbClr val="FFFFFF"/>
                 </a:solidFill>
@@ -9630,20 +9323,12 @@
               <a:t>repository managing entities</a:t>
             </a:r>
             <a:r>
-              <a:rPr lang="en-US" dirty="0" smtClean="0">
+              <a:rPr lang="en-US" dirty="0">
                 <a:solidFill>
                   <a:srgbClr val="FFFFFF"/>
                 </a:solidFill>
               </a:rPr>
-              <a:t> using </a:t>
-            </a:r>
-            <a:r>
-              <a:rPr lang="en-US" dirty="0">
-                <a:solidFill>
-                  <a:srgbClr val="FFFFFF"/>
-                </a:solidFill>
-              </a:rPr>
-              <a:t>plain </a:t>
+              <a:t> using plain </a:t>
             </a:r>
             <a:r>
               <a:rPr lang="en-US" b="1" i="1" u="sng" dirty="0">
@@ -9860,7 +9545,7 @@
               <a:buNone/>
             </a:pPr>
             <a:r>
-              <a:rPr lang="en-US" sz="1400" dirty="0" smtClean="0"/>
+              <a:rPr lang="en-US" sz="1400" dirty="0"/>
               <a:t>Add a dash of Spring Data REST starter into our pom.xml</a:t>
             </a:r>
           </a:p>
@@ -9876,21 +9561,6 @@
   <p:clrMapOvr>
     <a:masterClrMapping/>
   </p:clrMapOvr>
-  <mc:AlternateContent xmlns:mc="http://schemas.openxmlformats.org/markup-compatibility/2006" xmlns:p14="http://schemas.microsoft.com/office/powerpoint/2010/main">
-    <mc:Choice Requires="p14">
-      <p:transition spd="slow" p14:dur="2000"/>
-    </mc:Choice>
-    <mc:Fallback xmlns="">
-      <p:transition xmlns:p14="http://schemas.microsoft.com/office/powerpoint/2010/main" spd="slow"/>
-    </mc:Fallback>
-  </mc:AlternateContent>
-  <p:timing>
-    <p:tnLst>
-      <p:par>
-        <p:cTn id="1" dur="indefinite" restart="never" nodeType="tmRoot"/>
-      </p:par>
-    </p:tnLst>
-  </p:timing>
 </p:sld>
 </file>
 
@@ -9927,7 +9597,7 @@
           <a:lstStyle/>
           <a:p>
             <a:r>
-              <a:rPr lang="en-US" dirty="0" smtClean="0"/>
+              <a:rPr lang="en-US" dirty="0"/>
               <a:t>Spring Data REST, what happens</a:t>
             </a:r>
             <a:endParaRPr lang="en-US" dirty="0">
@@ -10101,7 +9771,7 @@
               <a:buFont typeface="Arial"/>
               <a:buNone/>
             </a:pPr>
-            <a:endParaRPr lang="en-US" sz="1400" dirty="0" smtClean="0"/>
+            <a:endParaRPr lang="en-US" sz="1400" dirty="0"/>
           </a:p>
         </p:txBody>
       </p:sp>
@@ -10162,31 +9832,7 @@
                   <a:srgbClr val="FFFFFF"/>
                 </a:solidFill>
               </a:rPr>
-              <a:t>For this repository, Spring Data </a:t>
-            </a:r>
-            <a:r>
-              <a:rPr lang="en-US" sz="1400" dirty="0" smtClean="0">
-                <a:solidFill>
-                  <a:srgbClr val="FFFFFF"/>
-                </a:solidFill>
-              </a:rPr>
-              <a:t>REST exposes </a:t>
-            </a:r>
-            <a:r>
-              <a:rPr lang="en-US" sz="1400" dirty="0">
-                <a:solidFill>
-                  <a:srgbClr val="FFFFFF"/>
-                </a:solidFill>
-              </a:rPr>
-              <a:t>a resource collection at “</a:t>
-            </a:r>
-            <a:r>
-              <a:rPr lang="en-US" sz="1400" dirty="0" smtClean="0">
-                <a:solidFill>
-                  <a:srgbClr val="FFFFFF"/>
-                </a:solidFill>
-              </a:rPr>
-              <a:t>/cities”</a:t>
+              <a:t>For this repository, Spring Data REST exposes a resource collection at “/cities”</a:t>
             </a:r>
           </a:p>
           <a:p>
@@ -10196,20 +9842,12 @@
               </a:lnSpc>
             </a:pPr>
             <a:r>
-              <a:rPr lang="en-US" sz="1400" dirty="0" smtClean="0">
+              <a:rPr lang="en-US" sz="1400" dirty="0">
                 <a:solidFill>
                   <a:srgbClr val="FFFFFF"/>
                 </a:solidFill>
               </a:rPr>
-              <a:t>Context path </a:t>
-            </a:r>
-            <a:r>
-              <a:rPr lang="en-US" sz="1400" dirty="0">
-                <a:solidFill>
-                  <a:srgbClr val="FFFFFF"/>
-                </a:solidFill>
-              </a:rPr>
-              <a:t>is </a:t>
+              <a:t>Context path is </a:t>
             </a:r>
             <a:r>
               <a:rPr lang="en-US" sz="1400" u="sng" dirty="0">
@@ -10228,7 +9866,7 @@
               <a:t> from the </a:t>
             </a:r>
             <a:r>
-              <a:rPr lang="en-US" sz="1400" i="1" dirty="0" smtClean="0">
+              <a:rPr lang="en-US" sz="1400" i="1" dirty="0">
                 <a:solidFill>
                   <a:srgbClr val="FFFFFF"/>
                 </a:solidFill>
@@ -10273,15 +9911,7 @@
                   <a:srgbClr val="FFFFFF"/>
                 </a:solidFill>
               </a:rPr>
-              <a:t> of the domain class being </a:t>
-            </a:r>
-            <a:r>
-              <a:rPr lang="en-US" sz="1400" dirty="0" smtClean="0">
-                <a:solidFill>
-                  <a:srgbClr val="FFFFFF"/>
-                </a:solidFill>
-              </a:rPr>
-              <a:t>managed</a:t>
+              <a:t> of the domain class being managed</a:t>
             </a:r>
           </a:p>
           <a:p>
@@ -10291,56 +9921,19 @@
               </a:lnSpc>
             </a:pPr>
             <a:r>
-              <a:rPr lang="en-US" sz="1400" dirty="0" smtClean="0">
+              <a:rPr lang="en-US" sz="1400" dirty="0">
                 <a:solidFill>
                   <a:srgbClr val="FFFFFF"/>
                 </a:solidFill>
               </a:rPr>
-              <a:t>Exposes </a:t>
+              <a:t>Exposes an item resource for each of these items managed by the repository under the URI template /cities/{id}</a:t>
             </a:r>
-            <a:r>
-              <a:rPr lang="en-US" sz="1400" dirty="0">
-                <a:solidFill>
-                  <a:srgbClr val="FFFFFF"/>
-                </a:solidFill>
-              </a:rPr>
-              <a:t>an item resource for each of these items managed by the repository under the URI template </a:t>
-            </a:r>
-            <a:r>
-              <a:rPr lang="en-US" sz="1400" dirty="0" smtClean="0">
-                <a:solidFill>
-                  <a:srgbClr val="FFFFFF"/>
-                </a:solidFill>
-              </a:rPr>
-              <a:t>/cities/</a:t>
-            </a:r>
-            <a:r>
-              <a:rPr lang="en-US" sz="1400" dirty="0">
-                <a:solidFill>
-                  <a:srgbClr val="FFFFFF"/>
-                </a:solidFill>
-              </a:rPr>
-              <a:t>{id</a:t>
-            </a:r>
-            <a:r>
-              <a:rPr lang="en-US" sz="1400" dirty="0" smtClean="0">
-                <a:solidFill>
-                  <a:srgbClr val="FFFFFF"/>
-                </a:solidFill>
-              </a:rPr>
-              <a:t>}</a:t>
-            </a:r>
-            <a:endParaRPr lang="en-US" sz="1400" dirty="0">
-              <a:solidFill>
-                <a:srgbClr val="FFFFFF"/>
-              </a:solidFill>
-            </a:endParaRPr>
           </a:p>
           <a:p>
             <a:pPr marL="0" indent="0">
               <a:buNone/>
             </a:pPr>
-            <a:endParaRPr lang="en-US" sz="1400" dirty="0" smtClean="0"/>
+            <a:endParaRPr lang="en-US" sz="1400" dirty="0"/>
           </a:p>
         </p:txBody>
       </p:sp>
@@ -10354,21 +9947,6 @@
   <p:clrMapOvr>
     <a:masterClrMapping/>
   </p:clrMapOvr>
-  <mc:AlternateContent xmlns:mc="http://schemas.openxmlformats.org/markup-compatibility/2006" xmlns:p14="http://schemas.microsoft.com/office/powerpoint/2010/main">
-    <mc:Choice Requires="p14">
-      <p:transition spd="slow" p14:dur="2000"/>
-    </mc:Choice>
-    <mc:Fallback xmlns="">
-      <p:transition xmlns:p14="http://schemas.microsoft.com/office/powerpoint/2010/main" spd="slow"/>
-    </mc:Fallback>
-  </mc:AlternateContent>
-  <p:timing>
-    <p:tnLst>
-      <p:par>
-        <p:cTn id="1" dur="indefinite" restart="never" nodeType="tmRoot"/>
-      </p:par>
-    </p:tnLst>
-  </p:timing>
 </p:sld>
 </file>
 
@@ -10405,7 +9983,7 @@
           <a:lstStyle/>
           <a:p>
             <a:r>
-              <a:rPr lang="en-US" dirty="0" smtClean="0"/>
+              <a:rPr lang="en-US" dirty="0"/>
               <a:t>Support Search, or findBy*</a:t>
             </a:r>
             <a:endParaRPr lang="en-US" dirty="0">
@@ -10579,7 +10157,7 @@
               <a:buFont typeface="Arial"/>
               <a:buNone/>
             </a:pPr>
-            <a:endParaRPr lang="en-US" sz="1400" dirty="0" smtClean="0"/>
+            <a:endParaRPr lang="en-US" sz="1400" dirty="0"/>
           </a:p>
         </p:txBody>
       </p:sp>
@@ -10747,7 +10325,7 @@
               <a:buNone/>
             </a:pPr>
             <a:r>
-              <a:rPr lang="en-US" sz="1400" dirty="0" smtClean="0"/>
+              <a:rPr lang="en-US" sz="1400" dirty="0"/>
               <a:t>Add some search methods using @RestResource to our CityRepository class</a:t>
             </a:r>
           </a:p>
@@ -10787,21 +10365,6 @@
   <p:clrMapOvr>
     <a:masterClrMapping/>
   </p:clrMapOvr>
-  <mc:AlternateContent xmlns:mc="http://schemas.openxmlformats.org/markup-compatibility/2006" xmlns:p14="http://schemas.microsoft.com/office/powerpoint/2010/main">
-    <mc:Choice Requires="p14">
-      <p:transition spd="slow" p14:dur="2000"/>
-    </mc:Choice>
-    <mc:Fallback xmlns="">
-      <p:transition xmlns:p14="http://schemas.microsoft.com/office/powerpoint/2010/main" spd="slow"/>
-    </mc:Fallback>
-  </mc:AlternateContent>
-  <p:timing>
-    <p:tnLst>
-      <p:par>
-        <p:cTn id="1" dur="indefinite" restart="never" nodeType="tmRoot"/>
-      </p:par>
-    </p:tnLst>
-  </p:timing>
 </p:sld>
 </file>
 
@@ -10838,7 +10401,7 @@
           <a:lstStyle/>
           <a:p>
             <a:r>
-              <a:rPr lang="en-US" dirty="0" smtClean="0"/>
+              <a:rPr lang="en-US" dirty="0"/>
               <a:t>Spring Data REST, what happens?</a:t>
             </a:r>
             <a:endParaRPr lang="en-US" dirty="0">
@@ -11012,7 +10575,7 @@
               <a:buFont typeface="Arial"/>
               <a:buNone/>
             </a:pPr>
-            <a:endParaRPr lang="en-US" sz="1400" dirty="0" smtClean="0"/>
+            <a:endParaRPr lang="en-US" sz="1400" dirty="0"/>
           </a:p>
         </p:txBody>
       </p:sp>
@@ -11034,7 +10597,7 @@
         </p:spPr>
         <p:txBody>
           <a:bodyPr>
-            <a:normAutofit/>
+            <a:normAutofit lnSpcReduction="10000"/>
           </a:bodyPr>
           <a:lstStyle/>
           <a:p>
@@ -11050,27 +10613,14 @@
                   <a:srgbClr val="FFFFFF"/>
                 </a:solidFill>
               </a:rPr>
-              <a:t>For this repository, </a:t>
+              <a:t>For this repository, we now see search methods when we hit the /{repository}/search endpoint</a:t>
             </a:r>
-            <a:r>
-              <a:rPr lang="en-US" sz="1400" dirty="0" smtClean="0">
-                <a:solidFill>
-                  <a:srgbClr val="FFFFFF"/>
-                </a:solidFill>
-              </a:rPr>
-              <a:t>we now see search methods when we hit the /{repository}/search endpoint</a:t>
-            </a:r>
-            <a:endParaRPr lang="en-US" sz="1400" dirty="0">
-              <a:solidFill>
-                <a:srgbClr val="FFFFFF"/>
-              </a:solidFill>
-            </a:endParaRPr>
           </a:p>
           <a:p>
             <a:pPr marL="0" indent="0">
               <a:buNone/>
             </a:pPr>
-            <a:endParaRPr lang="en-US" sz="1400" dirty="0" smtClean="0"/>
+            <a:endParaRPr lang="en-US" sz="1400" dirty="0"/>
           </a:p>
         </p:txBody>
       </p:sp>
@@ -11108,21 +10658,6 @@
   <p:clrMapOvr>
     <a:masterClrMapping/>
   </p:clrMapOvr>
-  <mc:AlternateContent xmlns:mc="http://schemas.openxmlformats.org/markup-compatibility/2006" xmlns:p14="http://schemas.microsoft.com/office/powerpoint/2010/main">
-    <mc:Choice Requires="p14">
-      <p:transition spd="slow" p14:dur="2000"/>
-    </mc:Choice>
-    <mc:Fallback xmlns="">
-      <p:transition xmlns:p14="http://schemas.microsoft.com/office/powerpoint/2010/main" spd="slow"/>
-    </mc:Fallback>
-  </mc:AlternateContent>
-  <p:timing>
-    <p:tnLst>
-      <p:par>
-        <p:cTn id="1" dur="indefinite" restart="never" nodeType="tmRoot"/>
-      </p:par>
-    </p:tnLst>
-  </p:timing>
 </p:sld>
 </file>
 
@@ -11159,7 +10694,7 @@
           <a:lstStyle/>
           <a:p>
             <a:r>
-              <a:rPr lang="en-US" dirty="0" smtClean="0"/>
+              <a:rPr lang="en-US" dirty="0"/>
               <a:t>Spring Data REST, Custom Queries</a:t>
             </a:r>
             <a:endParaRPr lang="en-US" dirty="0">
@@ -11333,7 +10868,7 @@
               <a:buFont typeface="Arial"/>
               <a:buNone/>
             </a:pPr>
-            <a:endParaRPr lang="en-US" sz="1400" dirty="0" smtClean="0"/>
+            <a:endParaRPr lang="en-US" sz="1400" dirty="0"/>
           </a:p>
         </p:txBody>
       </p:sp>
@@ -11363,7 +10898,7 @@
               <a:buNone/>
             </a:pPr>
             <a:r>
-              <a:rPr lang="en-US" sz="1400" dirty="0" smtClean="0"/>
+              <a:rPr lang="en-US" sz="1400" dirty="0"/>
               <a:t>Add a method “findByStateCode” to our CityRepository that defines an custom query using @Query notation and takes an @Param argument for the stateCode</a:t>
             </a:r>
           </a:p>
@@ -11403,21 +10938,6 @@
   <p:clrMapOvr>
     <a:masterClrMapping/>
   </p:clrMapOvr>
-  <mc:AlternateContent xmlns:mc="http://schemas.openxmlformats.org/markup-compatibility/2006" xmlns:p14="http://schemas.microsoft.com/office/powerpoint/2010/main">
-    <mc:Choice Requires="p14">
-      <p:transition spd="slow" p14:dur="2000"/>
-    </mc:Choice>
-    <mc:Fallback xmlns="">
-      <p:transition xmlns:p14="http://schemas.microsoft.com/office/powerpoint/2010/main" spd="slow"/>
-    </mc:Fallback>
-  </mc:AlternateContent>
-  <p:timing>
-    <p:tnLst>
-      <p:par>
-        <p:cTn id="1" dur="indefinite" restart="never" nodeType="tmRoot"/>
-      </p:par>
-    </p:tnLst>
-  </p:timing>
 </p:sld>
 </file>
 
